--- a/Day4/Day4sol.pptx
+++ b/Day4/Day4sol.pptx
@@ -3273,8 +3273,8 @@
         </p:nvSpPr>
         <p:spPr>
           <a:xfrm>
-            <a:off x="305346" y="1242516"/>
-            <a:ext cx="4084601" cy="5384238"/>
+            <a:off x="125883" y="1242516"/>
+            <a:ext cx="4517730" cy="5384238"/>
           </a:xfrm>
         </p:spPr>
         <p:txBody>
@@ -3631,25 +3631,9 @@
                   <a:srgbClr val="558ED5"/>
                 </a:solidFill>
               </a:rPr>
-              <a:t>: </a:t>
-            </a:r>
-            <a:r>
-              <a:rPr lang="en-US" dirty="0" err="1">
-                <a:solidFill>
-                  <a:srgbClr val="558ED5"/>
-                </a:solidFill>
-              </a:rPr>
-              <a:t>self.hunger</a:t>
-            </a:r>
-            <a:r>
-              <a:rPr lang="en-US" dirty="0">
-                <a:solidFill>
-                  <a:srgbClr val="558ED5"/>
-                </a:solidFill>
-              </a:rPr>
-              <a:t> = 0 </a:t>
-            </a:r>
-            <a:endParaRPr lang="en-US" dirty="0" smtClean="0">
+              <a:t>: 	</a:t>
+            </a:r>
+            <a:endParaRPr lang="en-US" dirty="0">
               <a:solidFill>
                 <a:srgbClr val="558ED5"/>
               </a:solidFill>
@@ -3660,7 +3644,7 @@
               <a:buNone/>
             </a:pPr>
             <a:r>
-              <a:rPr lang="en-US" dirty="0">
+              <a:rPr lang="en-US" dirty="0" smtClean="0">
                 <a:solidFill>
                   <a:srgbClr val="558ED5"/>
                 </a:solidFill>
@@ -5708,21 +5692,8 @@
                   <a:srgbClr val="D99694"/>
                 </a:solidFill>
               </a:rPr>
-              <a:t>"No chocolate :(</a:t>
-            </a:r>
-            <a:r>
-              <a:rPr lang="en-US" baseline="30000" dirty="0" smtClean="0">
-                <a:solidFill>
-                  <a:srgbClr val="D99694"/>
-                </a:solidFill>
-              </a:rPr>
-              <a:t>”</a:t>
-            </a:r>
-            <a:endParaRPr lang="en-US" baseline="30000" dirty="0" smtClean="0">
-              <a:solidFill>
-                <a:srgbClr val="D99694"/>
-              </a:solidFill>
-            </a:endParaRPr>
+              <a:t>"No chocolate :(”</a:t>
+            </a:r>
           </a:p>
           <a:p>
             <a:pPr marL="0" indent="0">
@@ -5758,7 +5729,6 @@
               <a:rPr lang="en-US" dirty="0" smtClean="0"/>
               <a:t>): </a:t>
             </a:r>
-            <a:endParaRPr lang="en-US" dirty="0" smtClean="0"/>
           </a:p>
           <a:p>
             <a:pPr marL="400050" lvl="1" indent="0">
